--- a/documentation/presentations/PRSE_SS22-Team2_Sprint_1_Presentation.pptx
+++ b/documentation/presentations/PRSE_SS22-Team2_Sprint_1_Presentation.pptx
@@ -273,7 +273,7 @@
       </p15:sldGuideLst>
     </p:ext>
     <p:ext uri="http://customooxmlschemas.google.com/">
-      <go:slidesCustomData xmlns:go="http://customooxmlschemas.google.com/" xmlns:p15="http://schemas.microsoft.com/office/powerpoint/2012/main" xmlns:p14="http://schemas.microsoft.com/office/powerpoint/2010/main" xmlns:com="http://schemas.openxmlformats.org/drawingml/2006/compatibility" xmlns:pvml="urn:schemas-microsoft-com:office:powerpoint" xmlns:v="urn:schemas-microsoft-com:vml" xmlns:o="urn:schemas-microsoft-com:office:office" xmlns:dgm="http://schemas.openxmlformats.org/drawingml/2006/diagram" xmlns:c="http://schemas.openxmlformats.org/drawingml/2006/chart" xmlns:mv="urn:schemas-microsoft-com:mac:vml" xmlns:mc="http://schemas.openxmlformats.org/markup-compatibility/2006" xmlns="" r:id="rId15" roundtripDataSignature="AMtx7mhaA5WXhyXkxY3REEG0V10yJknC+Q=="/>
+      <go:slidesCustomData xmlns="" xmlns:mc="http://schemas.openxmlformats.org/markup-compatibility/2006" xmlns:mv="urn:schemas-microsoft-com:mac:vml" xmlns:c="http://schemas.openxmlformats.org/drawingml/2006/chart" xmlns:dgm="http://schemas.openxmlformats.org/drawingml/2006/diagram" xmlns:o="urn:schemas-microsoft-com:office:office" xmlns:v="urn:schemas-microsoft-com:vml" xmlns:pvml="urn:schemas-microsoft-com:office:powerpoint" xmlns:com="http://schemas.openxmlformats.org/drawingml/2006/compatibility" xmlns:p14="http://schemas.microsoft.com/office/powerpoint/2010/main" xmlns:p15="http://schemas.microsoft.com/office/powerpoint/2012/main" xmlns:go="http://customooxmlschemas.google.com/" r:id="rId15" roundtripDataSignature="AMtx7mhaA5WXhyXkxY3REEG0V10yJknC+Q=="/>
     </p:ext>
   </p:extLst>
 </p:presentation>
@@ -23750,11 +23750,11 @@
               <a:buChar char="⬛"/>
             </a:pPr>
             <a:r>
-              <a:rPr lang="en-US" sz="2500" i="1" dirty="0" err="1"/>
+              <a:rPr lang="en-US" sz="2500" dirty="0" err="1"/>
               <a:t>CircleCI</a:t>
             </a:r>
             <a:r>
-              <a:rPr lang="en-US" sz="2500" i="1" dirty="0"/>
+              <a:rPr lang="en-US" sz="2500" dirty="0"/>
               <a:t> </a:t>
             </a:r>
           </a:p>
@@ -23770,10 +23770,10 @@
               <a:buChar char="⬛"/>
             </a:pPr>
             <a:r>
-              <a:rPr lang="en-US" sz="2500" i="1" dirty="0" err="1"/>
+              <a:rPr lang="en-US" sz="2500" dirty="0" err="1"/>
               <a:t>Zenhub</a:t>
             </a:r>
-            <a:endParaRPr lang="en-US" sz="2500" i="1" dirty="0"/>
+            <a:endParaRPr lang="en-US" sz="2500" dirty="0"/>
           </a:p>
           <a:p>
             <a:pPr marL="457200" lvl="0" indent="-387350" algn="l" rtl="0">
@@ -23787,14 +23787,14 @@
               <a:buChar char="⬛"/>
             </a:pPr>
             <a:r>
-              <a:rPr lang="en-US" sz="2500" i="1" dirty="0"/>
+              <a:rPr lang="en-US" sz="2500" dirty="0"/>
               <a:t>Recognizing all requirements and devices</a:t>
             </a:r>
             <a:br>
-              <a:rPr lang="en-US" sz="2500" i="1" dirty="0"/>
+              <a:rPr lang="en-US" sz="2500" dirty="0"/>
             </a:br>
             <a:r>
-              <a:rPr lang="en-US" sz="2500" i="1" dirty="0"/>
+              <a:rPr lang="en-US" sz="2500" dirty="0"/>
               <a:t>(Slides, Requirements document, …)</a:t>
             </a:r>
           </a:p>
@@ -23809,7 +23809,7 @@
               <a:buSzPts val="2500"/>
               <a:buChar char="⬛"/>
             </a:pPr>
-            <a:endParaRPr lang="en-US" sz="2500" i="1" dirty="0"/>
+            <a:endParaRPr lang="en-US" sz="2500" dirty="0"/>
           </a:p>
           <a:p>
             <a:pPr marL="457200" lvl="0" indent="-387350" algn="l" rtl="0">
@@ -23823,7 +23823,7 @@
               <a:buChar char="⬛"/>
             </a:pPr>
             <a:r>
-              <a:rPr lang="en-US" sz="2500" i="1" dirty="0"/>
+              <a:rPr lang="en-US" sz="2500" dirty="0"/>
               <a:t>Basic knowledge about required tools</a:t>
             </a:r>
           </a:p>
@@ -23839,7 +23839,7 @@
               <a:buChar char="⬛"/>
             </a:pPr>
             <a:r>
-              <a:rPr lang="en-US" sz="2500" i="1" dirty="0"/>
+              <a:rPr lang="en-US" sz="2500" dirty="0"/>
               <a:t>Estimation problems will stay</a:t>
             </a:r>
           </a:p>
@@ -24078,7 +24078,7 @@
               <a:buChar char="⬛"/>
             </a:pPr>
             <a:r>
-              <a:rPr lang="en-US" sz="2500" i="1" dirty="0"/>
+              <a:rPr lang="en-US" sz="2500" dirty="0"/>
               <a:t>Prototype</a:t>
             </a:r>
           </a:p>
@@ -24088,7 +24088,7 @@
               <a:buChar char="⬛"/>
             </a:pPr>
             <a:r>
-              <a:rPr lang="en-US" sz="2300" i="1" dirty="0"/>
+              <a:rPr lang="en-US" sz="2300" dirty="0"/>
               <a:t>Implementing database</a:t>
             </a:r>
           </a:p>
@@ -24098,7 +24098,7 @@
               <a:buChar char="⬛"/>
             </a:pPr>
             <a:r>
-              <a:rPr lang="en-US" sz="2300" i="1" dirty="0"/>
+              <a:rPr lang="en-US" sz="2300" dirty="0"/>
               <a:t>Filling dummy data (database connection)</a:t>
             </a:r>
           </a:p>
@@ -24108,12 +24108,8 @@
               <a:buChar char="⬛"/>
             </a:pPr>
             <a:r>
-              <a:rPr lang="en-US" sz="2300" i="1" dirty="0" err="1"/>
-              <a:t>SceneBuilder</a:t>
-            </a:r>
-            <a:r>
-              <a:rPr lang="en-US" sz="2300" i="1" dirty="0"/>
-              <a:t> UI</a:t>
+              <a:rPr lang="en-US" sz="2300" dirty="0"/>
+              <a:t>GUI</a:t>
             </a:r>
           </a:p>
           <a:p>
@@ -24122,7 +24118,7 @@
               <a:buChar char="⬛"/>
             </a:pPr>
             <a:r>
-              <a:rPr lang="en-US" sz="2300" i="1" dirty="0"/>
+              <a:rPr lang="en-US" sz="2300" dirty="0"/>
               <a:t>Some basic features working</a:t>
             </a:r>
           </a:p>
@@ -24132,7 +24128,7 @@
               <a:buChar char="⬛"/>
             </a:pPr>
             <a:r>
-              <a:rPr lang="en-US" sz="2100" i="1" dirty="0"/>
+              <a:rPr lang="en-US" sz="2100" dirty="0"/>
               <a:t>Import csv data</a:t>
             </a:r>
           </a:p>
@@ -24142,7 +24138,7 @@
               <a:buChar char="⬛"/>
             </a:pPr>
             <a:r>
-              <a:rPr lang="en-US" sz="2100" i="1" dirty="0"/>
+              <a:rPr lang="en-US" sz="2100" dirty="0"/>
               <a:t>CRUD on basic classes</a:t>
             </a:r>
           </a:p>
@@ -24158,7 +24154,7 @@
               <a:buChar char="⬛"/>
             </a:pPr>
             <a:r>
-              <a:rPr lang="en-US" sz="2500" i="1" dirty="0"/>
+              <a:rPr lang="en-US" sz="2500" dirty="0"/>
               <a:t>Unit tests for implemented features</a:t>
             </a:r>
           </a:p>
@@ -25679,7 +25675,7 @@
             </a:pPr>
             <a:r>
               <a:rPr lang="en-US" sz="2500" dirty="0"/>
-              <a:t>UI Protype (</a:t>
+              <a:t>UI Prototype (</a:t>
             </a:r>
             <a:r>
               <a:rPr lang="en-US" sz="2500" dirty="0" err="1"/>
